--- a/images/2.2.Informatique/images-45-20.pptx
+++ b/images/2.2.Informatique/images-45-20.pptx
@@ -244,7 +244,7 @@
           <a:p>
             <a:fld id="{2D8B66FD-3CC4-4A60-9F40-78ADADBF1619}" type="datetimeFigureOut">
               <a:rPr lang="fr-FR" smtClean="0"/>
-              <a:t>06/03/2024</a:t>
+              <a:t>10/03/2024</a:t>
             </a:fld>
             <a:endParaRPr lang="fr-FR"/>
           </a:p>
@@ -414,7 +414,7 @@
           <a:p>
             <a:fld id="{2D8B66FD-3CC4-4A60-9F40-78ADADBF1619}" type="datetimeFigureOut">
               <a:rPr lang="fr-FR" smtClean="0"/>
-              <a:t>06/03/2024</a:t>
+              <a:t>10/03/2024</a:t>
             </a:fld>
             <a:endParaRPr lang="fr-FR"/>
           </a:p>
@@ -594,7 +594,7 @@
           <a:p>
             <a:fld id="{2D8B66FD-3CC4-4A60-9F40-78ADADBF1619}" type="datetimeFigureOut">
               <a:rPr lang="fr-FR" smtClean="0"/>
-              <a:t>06/03/2024</a:t>
+              <a:t>10/03/2024</a:t>
             </a:fld>
             <a:endParaRPr lang="fr-FR"/>
           </a:p>
@@ -764,7 +764,7 @@
           <a:p>
             <a:fld id="{2D8B66FD-3CC4-4A60-9F40-78ADADBF1619}" type="datetimeFigureOut">
               <a:rPr lang="fr-FR" smtClean="0"/>
-              <a:t>06/03/2024</a:t>
+              <a:t>10/03/2024</a:t>
             </a:fld>
             <a:endParaRPr lang="fr-FR"/>
           </a:p>
@@ -1010,7 +1010,7 @@
           <a:p>
             <a:fld id="{2D8B66FD-3CC4-4A60-9F40-78ADADBF1619}" type="datetimeFigureOut">
               <a:rPr lang="fr-FR" smtClean="0"/>
-              <a:t>06/03/2024</a:t>
+              <a:t>10/03/2024</a:t>
             </a:fld>
             <a:endParaRPr lang="fr-FR"/>
           </a:p>
@@ -1242,7 +1242,7 @@
           <a:p>
             <a:fld id="{2D8B66FD-3CC4-4A60-9F40-78ADADBF1619}" type="datetimeFigureOut">
               <a:rPr lang="fr-FR" smtClean="0"/>
-              <a:t>06/03/2024</a:t>
+              <a:t>10/03/2024</a:t>
             </a:fld>
             <a:endParaRPr lang="fr-FR"/>
           </a:p>
@@ -1609,7 +1609,7 @@
           <a:p>
             <a:fld id="{2D8B66FD-3CC4-4A60-9F40-78ADADBF1619}" type="datetimeFigureOut">
               <a:rPr lang="fr-FR" smtClean="0"/>
-              <a:t>06/03/2024</a:t>
+              <a:t>10/03/2024</a:t>
             </a:fld>
             <a:endParaRPr lang="fr-FR"/>
           </a:p>
@@ -1727,7 +1727,7 @@
           <a:p>
             <a:fld id="{2D8B66FD-3CC4-4A60-9F40-78ADADBF1619}" type="datetimeFigureOut">
               <a:rPr lang="fr-FR" smtClean="0"/>
-              <a:t>06/03/2024</a:t>
+              <a:t>10/03/2024</a:t>
             </a:fld>
             <a:endParaRPr lang="fr-FR"/>
           </a:p>
@@ -1822,7 +1822,7 @@
           <a:p>
             <a:fld id="{2D8B66FD-3CC4-4A60-9F40-78ADADBF1619}" type="datetimeFigureOut">
               <a:rPr lang="fr-FR" smtClean="0"/>
-              <a:t>06/03/2024</a:t>
+              <a:t>10/03/2024</a:t>
             </a:fld>
             <a:endParaRPr lang="fr-FR"/>
           </a:p>
@@ -2099,7 +2099,7 @@
           <a:p>
             <a:fld id="{2D8B66FD-3CC4-4A60-9F40-78ADADBF1619}" type="datetimeFigureOut">
               <a:rPr lang="fr-FR" smtClean="0"/>
-              <a:t>06/03/2024</a:t>
+              <a:t>10/03/2024</a:t>
             </a:fld>
             <a:endParaRPr lang="fr-FR"/>
           </a:p>
@@ -2356,7 +2356,7 @@
           <a:p>
             <a:fld id="{2D8B66FD-3CC4-4A60-9F40-78ADADBF1619}" type="datetimeFigureOut">
               <a:rPr lang="fr-FR" smtClean="0"/>
-              <a:t>06/03/2024</a:t>
+              <a:t>10/03/2024</a:t>
             </a:fld>
             <a:endParaRPr lang="fr-FR"/>
           </a:p>
@@ -2569,7 +2569,7 @@
           <a:p>
             <a:fld id="{2D8B66FD-3CC4-4A60-9F40-78ADADBF1619}" type="datetimeFigureOut">
               <a:rPr lang="fr-FR" smtClean="0"/>
-              <a:t>06/03/2024</a:t>
+              <a:t>10/03/2024</a:t>
             </a:fld>
             <a:endParaRPr lang="fr-FR"/>
           </a:p>
@@ -3190,9 +3190,9 @@
         <p:grpSpPr>
           <a:xfrm>
             <a:off x="2684893" y="3764983"/>
-            <a:ext cx="12349186" cy="1629535"/>
+            <a:ext cx="12609259" cy="1629535"/>
             <a:chOff x="881349" y="3302000"/>
-            <a:chExt cx="7410873" cy="977900"/>
+            <a:chExt cx="7566944" cy="977900"/>
           </a:xfrm>
         </p:grpSpPr>
         <p:sp>
@@ -3237,8 +3237,35 @@
                     </a:schemeClr>
                   </a:solidFill>
                 </a:rPr>
-                <a:t>Calculer la somme à payer </a:t>
+                <a:t>Calculer </a:t>
               </a:r>
+              <a:r>
+                <a:rPr lang="fr-FR" sz="3334" b="1" dirty="0" smtClean="0">
+                  <a:solidFill>
+                    <a:schemeClr val="bg1">
+                      <a:lumMod val="65000"/>
+                    </a:schemeClr>
+                  </a:solidFill>
+                </a:rPr>
+                <a:t>le montant total </a:t>
+              </a:r>
+              <a:r>
+                <a:rPr lang="fr-FR" sz="3334" b="1" dirty="0" smtClean="0">
+                  <a:solidFill>
+                    <a:schemeClr val="bg1">
+                      <a:lumMod val="65000"/>
+                    </a:schemeClr>
+                  </a:solidFill>
+                </a:rPr>
+                <a:t>à régler</a:t>
+              </a:r>
+              <a:endParaRPr lang="fr-FR" sz="3334" b="1" dirty="0">
+                <a:solidFill>
+                  <a:schemeClr val="bg1">
+                    <a:lumMod val="65000"/>
+                  </a:schemeClr>
+                </a:solidFill>
+              </a:endParaRPr>
             </a:p>
           </p:txBody>
         </p:sp>
@@ -3371,27 +3398,7 @@
                     </a:schemeClr>
                   </a:solidFill>
                 </a:rPr>
-                <a:t>Prix </a:t>
-              </a:r>
-              <a:r>
-                <a:rPr lang="fr-FR" sz="3334" b="1" dirty="0">
-                  <a:solidFill>
-                    <a:schemeClr val="accent6">
-                      <a:lumMod val="50000"/>
-                    </a:schemeClr>
-                  </a:solidFill>
-                </a:rPr>
-                <a:t>article </a:t>
-              </a:r>
-              <a:r>
-                <a:rPr lang="fr-FR" sz="3334" b="1" dirty="0">
-                  <a:solidFill>
-                    <a:schemeClr val="accent6">
-                      <a:lumMod val="50000"/>
-                    </a:schemeClr>
-                  </a:solidFill>
-                </a:rPr>
-                <a:t>1</a:t>
+                <a:t>Prix article 1</a:t>
               </a:r>
             </a:p>
           </p:txBody>
@@ -3447,7 +3454,7 @@
           <p:spPr>
             <a:xfrm>
               <a:off x="6261100" y="3586612"/>
-              <a:ext cx="2031122" cy="363320"/>
+              <a:ext cx="2187193" cy="363320"/>
             </a:xfrm>
             <a:prstGeom prst="rect">
               <a:avLst/>
@@ -3466,8 +3473,21 @@
                     <a:srgbClr val="00B0F0"/>
                   </a:solidFill>
                 </a:rPr>
-                <a:t>La somme à payer</a:t>
+                <a:t>La </a:t>
               </a:r>
+              <a:r>
+                <a:rPr lang="fr-FR" sz="3334" b="1" dirty="0" smtClean="0">
+                  <a:solidFill>
+                    <a:srgbClr val="00B0F0"/>
+                  </a:solidFill>
+                </a:rPr>
+                <a:t>montant à régler</a:t>
+              </a:r>
+              <a:endParaRPr lang="fr-FR" sz="3334" b="1" dirty="0">
+                <a:solidFill>
+                  <a:srgbClr val="00B0F0"/>
+                </a:solidFill>
+              </a:endParaRPr>
             </a:p>
           </p:txBody>
         </p:sp>
@@ -3748,6 +3768,13 @@
   <p:clrMapOvr>
     <a:masterClrMapping/>
   </p:clrMapOvr>
+  <p:timing>
+    <p:tnLst>
+      <p:par>
+        <p:cTn id="1" dur="indefinite" restart="never" nodeType="tmRoot"/>
+      </p:par>
+    </p:tnLst>
+  </p:timing>
 </p:sld>
 </file>
 
